--- a/Week_3_Project_PPT_Rohit_Kumar.pptx
+++ b/Week_3_Project_PPT_Rohit_Kumar.pptx
@@ -266,7 +266,7 @@
       </p15:sldGuideLst>
     </p:ext>
     <p:ext uri="http://customooxmlschemas.google.com/">
-      <go:slidesCustomData xmlns:mc="http://schemas.openxmlformats.org/markup-compatibility/2006" xmlns:mv="urn:schemas-microsoft-com:mac:vml" xmlns:c="http://schemas.openxmlformats.org/drawingml/2006/chart" xmlns:dgm="http://schemas.openxmlformats.org/drawingml/2006/diagram" xmlns:o="urn:schemas-microsoft-com:office:office" xmlns:v="urn:schemas-microsoft-com:vml" xmlns:pvml="urn:schemas-microsoft-com:office:powerpoint" xmlns:com="http://schemas.openxmlformats.org/drawingml/2006/compatibility" xmlns:p14="http://schemas.microsoft.com/office/powerpoint/2010/main" xmlns:p15="http://schemas.microsoft.com/office/powerpoint/2012/main" xmlns:go="http://customooxmlschemas.google.com/" xmlns="" r:id="rId220" roundtripDataSignature="AMtx7miWNY2LB4ETJwrL8F0N+EK9hEhqUQ=="/>
+      <go:slidesCustomData xmlns="" xmlns:go="http://customooxmlschemas.google.com/" xmlns:p15="http://schemas.microsoft.com/office/powerpoint/2012/main" xmlns:p14="http://schemas.microsoft.com/office/powerpoint/2010/main" xmlns:com="http://schemas.openxmlformats.org/drawingml/2006/compatibility" xmlns:pvml="urn:schemas-microsoft-com:office:powerpoint" xmlns:v="urn:schemas-microsoft-com:vml" xmlns:o="urn:schemas-microsoft-com:office:office" xmlns:dgm="http://schemas.openxmlformats.org/drawingml/2006/diagram" xmlns:c="http://schemas.openxmlformats.org/drawingml/2006/chart" xmlns:mv="urn:schemas-microsoft-com:mac:vml" xmlns:mc="http://schemas.openxmlformats.org/markup-compatibility/2006" r:id="rId220" roundtripDataSignature="AMtx7miWNY2LB4ETJwrL8F0N+EK9hEhqUQ=="/>
     </p:ext>
   </p:extLst>
 </p:presentation>
@@ -2967,36 +2967,6 @@
           </a:prstGeom>
         </p:spPr>
       </p:pic>
-      <p:pic>
-        <p:nvPicPr>
-          <p:cNvPr id="6" name="Picture 5">
-            <a:extLst>
-              <a:ext uri="{FF2B5EF4-FFF2-40B4-BE49-F238E27FC236}">
-                <a16:creationId xmlns:a16="http://schemas.microsoft.com/office/drawing/2014/main" id="{8CBF2AEE-5545-43A4-8766-4EA235B93B79}"/>
-              </a:ext>
-            </a:extLst>
-          </p:cNvPr>
-          <p:cNvPicPr>
-            <a:picLocks noChangeAspect="1"/>
-          </p:cNvPicPr>
-          <p:nvPr/>
-        </p:nvPicPr>
-        <p:blipFill>
-          <a:blip r:embed="rId3"/>
-          <a:stretch>
-            <a:fillRect/>
-          </a:stretch>
-        </p:blipFill>
-        <p:spPr>
-          <a:xfrm>
-            <a:off x="6456937" y="2092342"/>
-            <a:ext cx="5329999" cy="4577610"/>
-          </a:xfrm>
-          <a:prstGeom prst="rect">
-            <a:avLst/>
-          </a:prstGeom>
-        </p:spPr>
-      </p:pic>
       <p:sp>
         <p:nvSpPr>
           <p:cNvPr id="7" name="TextBox 6">
@@ -3100,6 +3070,36 @@
           </a:p>
         </p:txBody>
       </p:sp>
+      <p:pic>
+        <p:nvPicPr>
+          <p:cNvPr id="5" name="Picture 4">
+            <a:extLst>
+              <a:ext uri="{FF2B5EF4-FFF2-40B4-BE49-F238E27FC236}">
+                <a16:creationId xmlns:a16="http://schemas.microsoft.com/office/drawing/2014/main" id="{4C60DC25-4513-221B-C7D4-1E174EA44B5A}"/>
+              </a:ext>
+            </a:extLst>
+          </p:cNvPr>
+          <p:cNvPicPr>
+            <a:picLocks noChangeAspect="1"/>
+          </p:cNvPicPr>
+          <p:nvPr/>
+        </p:nvPicPr>
+        <p:blipFill>
+          <a:blip r:embed="rId3"/>
+          <a:stretch>
+            <a:fillRect/>
+          </a:stretch>
+        </p:blipFill>
+        <p:spPr>
+          <a:xfrm>
+            <a:off x="6869925" y="2102929"/>
+            <a:ext cx="4917787" cy="4430129"/>
+          </a:xfrm>
+          <a:prstGeom prst="rect">
+            <a:avLst/>
+          </a:prstGeom>
+        </p:spPr>
+      </p:pic>
     </p:spTree>
     <p:extLst>
       <p:ext uri="{BB962C8B-B14F-4D97-AF65-F5344CB8AC3E}">
